--- a/training-cards/agile moves/Tomatoes (TOM)/ger/apprentice/ger_TOM_01_Aufdrehen_fertig_los_AM_A.pptx
+++ b/training-cards/agile moves/Tomatoes (TOM)/ger/apprentice/ger_TOM_01_Aufdrehen_fertig_los_AM_A.pptx
@@ -110,7 +110,7 @@
   </p:defaultTextStyle>
   <p:extLst>
     <p:ext uri="{EFAFB233-063F-42B5-8137-9DF3F51BA10A}">
-      <p15:sldGuideLst xmlns:p15="http://schemas.microsoft.com/office/powerpoint/2012/main" xmlns="">
+      <p15:sldGuideLst xmlns="" xmlns:p15="http://schemas.microsoft.com/office/powerpoint/2012/main">
         <p15:guide id="1" orient="horz" pos="1103">
           <p15:clr>
             <a:srgbClr val="A4A3A4"/>
@@ -2636,17 +2636,17 @@
                 <a:latin typeface="Avenir Book"/>
                 <a:cs typeface="Avenir Book"/>
               </a:rPr>
-              <a:t> BRANDHUBER, zuletzt geändert am 17.10.2015</a:t>
-            </a:r>
-            <a:r>
-              <a:rPr lang="de-DE" sz="1000" dirty="0" smtClean="0">
+              <a:t> </a:t>
+            </a:r>
+            <a:r>
+              <a:rPr lang="de-DE" sz="1000" baseline="0" dirty="0" smtClean="0">
                 <a:solidFill>
                   <a:srgbClr val="5D5E5F"/>
                 </a:solidFill>
                 <a:latin typeface="Avenir Book"/>
                 <a:cs typeface="Avenir Book"/>
               </a:rPr>
-              <a:t> </a:t>
+              <a:t>BRANDHUBER</a:t>
             </a:r>
             <a:endParaRPr lang="de-DE" sz="1000" dirty="0">
               <a:solidFill>

--- a/training-cards/agile moves/Tomatoes (TOM)/ger/apprentice/ger_TOM_01_Aufdrehen_fertig_los_AM_A.pptx
+++ b/training-cards/agile moves/Tomatoes (TOM)/ger/apprentice/ger_TOM_01_Aufdrehen_fertig_los_AM_A.pptx
@@ -110,7 +110,7 @@
   </p:defaultTextStyle>
   <p:extLst>
     <p:ext uri="{EFAFB233-063F-42B5-8137-9DF3F51BA10A}">
-      <p15:sldGuideLst xmlns="" xmlns:p15="http://schemas.microsoft.com/office/powerpoint/2012/main">
+      <p15:sldGuideLst xmlns:p15="http://schemas.microsoft.com/office/powerpoint/2012/main" xmlns="">
         <p15:guide id="1" orient="horz" pos="1103">
           <p15:clr>
             <a:srgbClr val="A4A3A4"/>
@@ -209,7 +209,7 @@
           <a:p>
             <a:fld id="{B0CB8B2F-27AE-FC42-9F9A-56AAD34EAFDA}" type="datetimeFigureOut">
               <a:rPr lang="de-DE" smtClean="0"/>
-              <a:t>25.10.15</a:t>
+              <a:t>25.11.15</a:t>
             </a:fld>
             <a:endParaRPr lang="de-DE"/>
           </a:p>
@@ -1019,7 +1019,7 @@
                 <a:latin typeface="Avenir Light"/>
                 <a:cs typeface="Avenir Light"/>
               </a:rPr>
-              <a:t>25.10.15</a:t>
+              <a:t>25.11.15</a:t>
             </a:fld>
             <a:endParaRPr lang="de-DE" sz="600" dirty="0">
               <a:solidFill>
@@ -1084,26 +1084,7 @@
                 <a:cs typeface="Avenir Light"/>
                 <a:sym typeface="Calibri"/>
               </a:rPr>
-              <a:t>To view a copy of this license, visit </a:t>
-            </a:r>
-            <a:r>
-              <a:rPr sz="600" dirty="0">
-                <a:latin typeface="Avenir Light"/>
-                <a:ea typeface="Calibri"/>
-                <a:cs typeface="Avenir Light"/>
-                <a:sym typeface="Calibri"/>
-                <a:hlinkClick r:id="rId2"/>
-              </a:rPr>
-              <a:t>http://creativecommons.org/licenses/by-nc-nd/4.0/</a:t>
-            </a:r>
-            <a:r>
-              <a:rPr sz="600" dirty="0">
-                <a:latin typeface="Avenir Light"/>
-                <a:ea typeface="Calibri"/>
-                <a:cs typeface="Avenir Light"/>
-                <a:sym typeface="Calibri"/>
-              </a:rPr>
-              <a:t>.</a:t>
+              <a:t>To view a copy of this license, visit http://creativecommons.org/licenses/by-nc-nd/4.0/.</a:t>
             </a:r>
           </a:p>
         </p:txBody>
@@ -1115,7 +1096,7 @@
           <p:nvPr userDrawn="1"/>
         </p:nvPicPr>
         <p:blipFill>
-          <a:blip r:embed="rId3">
+          <a:blip r:embed="rId2">
             <a:extLst/>
           </a:blip>
           <a:stretch>
@@ -1334,7 +1315,7 @@
           <a:p>
             <a:fld id="{FF5B2BAF-DF38-0A48-A798-0C06E514FD52}" type="datetimeFigureOut">
               <a:rPr lang="de-DE" smtClean="0"/>
-              <a:t>25.10.15</a:t>
+              <a:t>25.11.15</a:t>
             </a:fld>
             <a:endParaRPr lang="de-DE" dirty="0"/>
           </a:p>
@@ -1604,7 +1585,7 @@
           <a:p>
             <a:fld id="{FF5B2BAF-DF38-0A48-A798-0C06E514FD52}" type="datetimeFigureOut">
               <a:rPr lang="de-DE" smtClean="0"/>
-              <a:t>25.10.15</a:t>
+              <a:t>25.11.15</a:t>
             </a:fld>
             <a:endParaRPr lang="de-DE" dirty="0"/>
           </a:p>
@@ -2636,17 +2617,7 @@
                 <a:latin typeface="Avenir Book"/>
                 <a:cs typeface="Avenir Book"/>
               </a:rPr>
-              <a:t> </a:t>
-            </a:r>
-            <a:r>
-              <a:rPr lang="de-DE" sz="1000" baseline="0" dirty="0" smtClean="0">
-                <a:solidFill>
-                  <a:srgbClr val="5D5E5F"/>
-                </a:solidFill>
-                <a:latin typeface="Avenir Book"/>
-                <a:cs typeface="Avenir Book"/>
-              </a:rPr>
-              <a:t>BRANDHUBER</a:t>
+              <a:t> BRANDHUBER</a:t>
             </a:r>
             <a:endParaRPr lang="de-DE" sz="1000" dirty="0">
               <a:solidFill>
@@ -2698,7 +2669,12 @@
             <p:ph idx="1"/>
           </p:nvPr>
         </p:nvSpPr>
-        <p:spPr/>
+        <p:spPr>
+          <a:xfrm>
+            <a:off x="858838" y="1653454"/>
+            <a:ext cx="6011545" cy="3133835"/>
+          </a:xfrm>
+        </p:spPr>
         <p:txBody>
           <a:bodyPr>
             <a:normAutofit/>
@@ -2753,8 +2729,12 @@
               <a:t>Mache zuerst innerhalb von </a:t>
             </a:r>
             <a:r>
+              <a:rPr lang="de-DE" sz="1200" dirty="0"/>
+              <a:t>2</a:t>
+            </a:r>
+            <a:r>
               <a:rPr lang="de-DE" sz="1200" dirty="0" smtClean="0"/>
-              <a:t>zwei </a:t>
+              <a:t> </a:t>
             </a:r>
             <a:r>
               <a:rPr lang="de-DE" sz="1200" dirty="0"/>
@@ -2762,7 +2742,15 @@
             </a:r>
             <a:r>
               <a:rPr lang="de-DE" sz="1200" dirty="0" smtClean="0"/>
-              <a:t>zwölf Tomaten</a:t>
+              <a:t>12</a:t>
+            </a:r>
+            <a:r>
+              <a:rPr lang="de-DE" sz="1200" dirty="0" smtClean="0"/>
+              <a:t> </a:t>
+            </a:r>
+            <a:r>
+              <a:rPr lang="de-DE" sz="1200" dirty="0" smtClean="0"/>
+              <a:t>Tomaten</a:t>
             </a:r>
             <a:r>
               <a:rPr lang="de-DE" sz="1200" dirty="0"/>
@@ -2783,8 +2771,12 @@
               <a:t>Verteile Deine Tomaten auf mindestens </a:t>
             </a:r>
             <a:r>
+              <a:rPr lang="de-DE" sz="1200" dirty="0"/>
+              <a:t>8</a:t>
+            </a:r>
+            <a:r>
               <a:rPr lang="de-DE" sz="1200" dirty="0" smtClean="0"/>
-              <a:t>acht </a:t>
+              <a:t> </a:t>
             </a:r>
             <a:r>
               <a:rPr lang="de-DE" sz="1200" dirty="0"/>
